--- a/Churn_Prediction_Final.pptx
+++ b/Churn_Prediction_Final.pptx
@@ -114,7 +114,20 @@
       </a:defRPr>
     </a:lvl9pPr>
   </p:defaultTextStyle>
+  <p:extLst>
+    <p:ext uri="{EFAFB233-063F-42B5-8137-9DF3F51BA10A}">
+      <p15:sldGuideLst xmlns:p15="http://schemas.microsoft.com/office/powerpoint/2012/main"/>
+    </p:ext>
+  </p:extLst>
 </p:presentation>
+</file>
+
+<file path=ppt/revisionInfo.xml><?xml version="1.0" encoding="utf-8"?>
+<p1510:revInfo xmlns:a="http://schemas.openxmlformats.org/drawingml/2006/main" xmlns:r="http://schemas.openxmlformats.org/officeDocument/2006/relationships" xmlns:p1510="http://schemas.microsoft.com/office/powerpoint/2015/10/main">
+  <p1510:revLst>
+    <p1510:client id="{2709175D-87C9-44A6-8B32-0D90912DC105}" v="10" dt="2024-05-10T13:15:39.125"/>
+  </p1510:revLst>
+</p1510:revInfo>
 </file>
 
 <file path=ppt/slideLayouts/slideLayout1.xml><?xml version="1.0" encoding="utf-8"?>
@@ -695,7 +708,7 @@
           </a:lstStyle>
           <a:p>
             <a:r>
-              <a:rPr lang="en-US" smtClean="0"/>
+              <a:rPr lang="en-US"/>
               <a:t>Click to edit Master title style</a:t>
             </a:r>
             <a:endParaRPr lang="en-US" dirty="0"/>
@@ -815,7 +828,7 @@
           </a:lstStyle>
           <a:p>
             <a:r>
-              <a:rPr lang="en-US" smtClean="0"/>
+              <a:rPr lang="en-US"/>
               <a:t>Click to edit Master subtitle style</a:t>
             </a:r>
             <a:endParaRPr lang="en-US" dirty="0"/>
@@ -840,7 +853,7 @@
             <a:fld id="{B61BEF0D-F0BB-DE4B-95CE-6DB70DBA9567}" type="datetimeFigureOut">
               <a:rPr lang="en-US" smtClean="0"/>
               <a:pPr/>
-              <a:t>4/28/2024</a:t>
+              <a:t>5/10/2024</a:t>
             </a:fld>
             <a:endParaRPr lang="en-US" dirty="0"/>
           </a:p>
@@ -946,7 +959,7 @@
           </a:lstStyle>
           <a:p>
             <a:r>
-              <a:rPr lang="en-US" smtClean="0"/>
+              <a:rPr lang="en-US"/>
               <a:t>Click to edit Master title style</a:t>
             </a:r>
             <a:endParaRPr lang="en-US" dirty="0"/>
@@ -1069,7 +1082,7 @@
           <a:p>
             <a:pPr lvl="0"/>
             <a:r>
-              <a:rPr lang="en-US" smtClean="0"/>
+              <a:rPr lang="en-US"/>
               <a:t>Click to edit Master text styles</a:t>
             </a:r>
           </a:p>
@@ -1093,7 +1106,7 @@
             <a:fld id="{B61BEF0D-F0BB-DE4B-95CE-6DB70DBA9567}" type="datetimeFigureOut">
               <a:rPr lang="en-US" smtClean="0"/>
               <a:pPr/>
-              <a:t>4/28/2024</a:t>
+              <a:t>5/10/2024</a:t>
             </a:fld>
             <a:endParaRPr lang="en-US" dirty="0"/>
           </a:p>
@@ -1199,7 +1212,7 @@
           </a:lstStyle>
           <a:p>
             <a:r>
-              <a:rPr lang="en-US" smtClean="0"/>
+              <a:rPr lang="en-US"/>
               <a:t>Click to edit Master title style</a:t>
             </a:r>
             <a:endParaRPr lang="en-US" dirty="0"/>
@@ -1263,7 +1276,7 @@
           <a:p>
             <a:pPr lvl="0"/>
             <a:r>
-              <a:rPr lang="en-US" smtClean="0"/>
+              <a:rPr lang="en-US"/>
               <a:t>Click to edit Master text styles</a:t>
             </a:r>
           </a:p>
@@ -1385,7 +1398,7 @@
           <a:p>
             <a:pPr lvl="0"/>
             <a:r>
-              <a:rPr lang="en-US" smtClean="0"/>
+              <a:rPr lang="en-US"/>
               <a:t>Click to edit Master text styles</a:t>
             </a:r>
           </a:p>
@@ -1409,7 +1422,7 @@
             <a:fld id="{B61BEF0D-F0BB-DE4B-95CE-6DB70DBA9567}" type="datetimeFigureOut">
               <a:rPr lang="en-US" smtClean="0"/>
               <a:pPr/>
-              <a:t>4/28/2024</a:t>
+              <a:t>5/10/2024</a:t>
             </a:fld>
             <a:endParaRPr lang="en-US" dirty="0"/>
           </a:p>
@@ -1605,7 +1618,7 @@
           </a:lstStyle>
           <a:p>
             <a:r>
-              <a:rPr lang="en-US" smtClean="0"/>
+              <a:rPr lang="en-US"/>
               <a:t>Click to edit Master title style</a:t>
             </a:r>
             <a:endParaRPr lang="en-US" dirty="0"/>
@@ -1728,7 +1741,7 @@
           <a:p>
             <a:pPr lvl="0"/>
             <a:r>
-              <a:rPr lang="en-US" smtClean="0"/>
+              <a:rPr lang="en-US"/>
               <a:t>Click to edit Master text styles</a:t>
             </a:r>
           </a:p>
@@ -1752,7 +1765,7 @@
             <a:fld id="{B61BEF0D-F0BB-DE4B-95CE-6DB70DBA9567}" type="datetimeFigureOut">
               <a:rPr lang="en-US" smtClean="0"/>
               <a:pPr/>
-              <a:t>4/28/2024</a:t>
+              <a:t>5/10/2024</a:t>
             </a:fld>
             <a:endParaRPr lang="en-US" dirty="0"/>
           </a:p>
@@ -1858,7 +1871,7 @@
           </a:lstStyle>
           <a:p>
             <a:r>
-              <a:rPr lang="en-US" smtClean="0"/>
+              <a:rPr lang="en-US"/>
               <a:t>Click to edit Master title style</a:t>
             </a:r>
             <a:endParaRPr lang="en-US" dirty="0"/>
@@ -1922,7 +1935,7 @@
           <a:p>
             <a:pPr lvl="0"/>
             <a:r>
-              <a:rPr lang="en-US" smtClean="0"/>
+              <a:rPr lang="en-US"/>
               <a:t>Click to edit Master text styles</a:t>
             </a:r>
           </a:p>
@@ -2044,7 +2057,7 @@
           <a:p>
             <a:pPr lvl="0"/>
             <a:r>
-              <a:rPr lang="en-US" smtClean="0"/>
+              <a:rPr lang="en-US"/>
               <a:t>Click to edit Master text styles</a:t>
             </a:r>
           </a:p>
@@ -2068,7 +2081,7 @@
             <a:fld id="{B61BEF0D-F0BB-DE4B-95CE-6DB70DBA9567}" type="datetimeFigureOut">
               <a:rPr lang="en-US" smtClean="0"/>
               <a:pPr/>
-              <a:t>4/28/2024</a:t>
+              <a:t>5/10/2024</a:t>
             </a:fld>
             <a:endParaRPr lang="en-US" dirty="0"/>
           </a:p>
@@ -2256,7 +2269,7 @@
           </a:lstStyle>
           <a:p>
             <a:r>
-              <a:rPr lang="en-US" smtClean="0"/>
+              <a:rPr lang="en-US"/>
               <a:t>Click to edit Master title style</a:t>
             </a:r>
             <a:endParaRPr lang="en-US" dirty="0"/>
@@ -2317,7 +2330,7 @@
           <a:p>
             <a:pPr lvl="0"/>
             <a:r>
-              <a:rPr lang="en-US" smtClean="0"/>
+              <a:rPr lang="en-US"/>
               <a:t>Click to edit Master text styles</a:t>
             </a:r>
           </a:p>
@@ -2439,7 +2452,7 @@
           <a:p>
             <a:pPr lvl="0"/>
             <a:r>
-              <a:rPr lang="en-US" smtClean="0"/>
+              <a:rPr lang="en-US"/>
               <a:t>Click to edit Master text styles</a:t>
             </a:r>
           </a:p>
@@ -2463,7 +2476,7 @@
             <a:fld id="{B61BEF0D-F0BB-DE4B-95CE-6DB70DBA9567}" type="datetimeFigureOut">
               <a:rPr lang="en-US" smtClean="0"/>
               <a:pPr/>
-              <a:t>4/28/2024</a:t>
+              <a:t>5/10/2024</a:t>
             </a:fld>
             <a:endParaRPr lang="en-US" dirty="0"/>
           </a:p>
@@ -2558,7 +2571,7 @@
           <a:lstStyle/>
           <a:p>
             <a:r>
-              <a:rPr lang="en-US" smtClean="0"/>
+              <a:rPr lang="en-US"/>
               <a:t>Click to edit Master title style</a:t>
             </a:r>
             <a:endParaRPr lang="en-US" dirty="0"/>
@@ -2582,35 +2595,35 @@
           <a:p>
             <a:pPr lvl="0"/>
             <a:r>
-              <a:rPr lang="en-US" smtClean="0"/>
+              <a:rPr lang="en-US"/>
               <a:t>Click to edit Master text styles</a:t>
             </a:r>
           </a:p>
           <a:p>
             <a:pPr lvl="1"/>
             <a:r>
-              <a:rPr lang="en-US" smtClean="0"/>
+              <a:rPr lang="en-US"/>
               <a:t>Second level</a:t>
             </a:r>
           </a:p>
           <a:p>
             <a:pPr lvl="2"/>
             <a:r>
-              <a:rPr lang="en-US" smtClean="0"/>
+              <a:rPr lang="en-US"/>
               <a:t>Third level</a:t>
             </a:r>
           </a:p>
           <a:p>
             <a:pPr lvl="3"/>
             <a:r>
-              <a:rPr lang="en-US" smtClean="0"/>
+              <a:rPr lang="en-US"/>
               <a:t>Fourth level</a:t>
             </a:r>
           </a:p>
           <a:p>
             <a:pPr lvl="4"/>
             <a:r>
-              <a:rPr lang="en-US" smtClean="0"/>
+              <a:rPr lang="en-US"/>
               <a:t>Fifth level</a:t>
             </a:r>
             <a:endParaRPr lang="en-US" dirty="0"/>
@@ -2634,7 +2647,7 @@
           <a:p>
             <a:fld id="{55C6B4A9-1611-4792-9094-5F34BCA07E0B}" type="datetimeFigureOut">
               <a:rPr lang="en-US" smtClean="0"/>
-              <a:t>4/28/2024</a:t>
+              <a:t>5/10/2024</a:t>
             </a:fld>
             <a:endParaRPr lang="en-US" dirty="0"/>
           </a:p>
@@ -2733,7 +2746,7 @@
           <a:lstStyle/>
           <a:p>
             <a:r>
-              <a:rPr lang="en-US" smtClean="0"/>
+              <a:rPr lang="en-US"/>
               <a:t>Click to edit Master title style</a:t>
             </a:r>
             <a:endParaRPr lang="en-US" dirty="0"/>
@@ -2762,35 +2775,35 @@
           <a:p>
             <a:pPr lvl="0"/>
             <a:r>
-              <a:rPr lang="en-US" smtClean="0"/>
+              <a:rPr lang="en-US"/>
               <a:t>Click to edit Master text styles</a:t>
             </a:r>
           </a:p>
           <a:p>
             <a:pPr lvl="1"/>
             <a:r>
-              <a:rPr lang="en-US" smtClean="0"/>
+              <a:rPr lang="en-US"/>
               <a:t>Second level</a:t>
             </a:r>
           </a:p>
           <a:p>
             <a:pPr lvl="2"/>
             <a:r>
-              <a:rPr lang="en-US" smtClean="0"/>
+              <a:rPr lang="en-US"/>
               <a:t>Third level</a:t>
             </a:r>
           </a:p>
           <a:p>
             <a:pPr lvl="3"/>
             <a:r>
-              <a:rPr lang="en-US" smtClean="0"/>
+              <a:rPr lang="en-US"/>
               <a:t>Fourth level</a:t>
             </a:r>
           </a:p>
           <a:p>
             <a:pPr lvl="4"/>
             <a:r>
-              <a:rPr lang="en-US" smtClean="0"/>
+              <a:rPr lang="en-US"/>
               <a:t>Fifth level</a:t>
             </a:r>
             <a:endParaRPr lang="en-US" dirty="0"/>
@@ -2815,7 +2828,7 @@
             <a:fld id="{B61BEF0D-F0BB-DE4B-95CE-6DB70DBA9567}" type="datetimeFigureOut">
               <a:rPr lang="en-US" smtClean="0"/>
               <a:pPr/>
-              <a:t>4/28/2024</a:t>
+              <a:t>5/10/2024</a:t>
             </a:fld>
             <a:endParaRPr lang="en-US" dirty="0"/>
           </a:p>
@@ -2916,7 +2929,7 @@
           </a:lstStyle>
           <a:p>
             <a:r>
-              <a:rPr lang="en-US" smtClean="0"/>
+              <a:rPr lang="en-US"/>
               <a:t>Click to edit Master title style</a:t>
             </a:r>
             <a:endParaRPr lang="en-US" dirty="0"/>
@@ -2940,35 +2953,35 @@
           <a:p>
             <a:pPr lvl="0"/>
             <a:r>
-              <a:rPr lang="en-US" smtClean="0"/>
+              <a:rPr lang="en-US"/>
               <a:t>Click to edit Master text styles</a:t>
             </a:r>
           </a:p>
           <a:p>
             <a:pPr lvl="1"/>
             <a:r>
-              <a:rPr lang="en-US" smtClean="0"/>
+              <a:rPr lang="en-US"/>
               <a:t>Second level</a:t>
             </a:r>
           </a:p>
           <a:p>
             <a:pPr lvl="2"/>
             <a:r>
-              <a:rPr lang="en-US" smtClean="0"/>
+              <a:rPr lang="en-US"/>
               <a:t>Third level</a:t>
             </a:r>
           </a:p>
           <a:p>
             <a:pPr lvl="3"/>
             <a:r>
-              <a:rPr lang="en-US" smtClean="0"/>
+              <a:rPr lang="en-US"/>
               <a:t>Fourth level</a:t>
             </a:r>
           </a:p>
           <a:p>
             <a:pPr lvl="4"/>
             <a:r>
-              <a:rPr lang="en-US" smtClean="0"/>
+              <a:rPr lang="en-US"/>
               <a:t>Fifth level</a:t>
             </a:r>
             <a:endParaRPr lang="en-US" dirty="0"/>
@@ -2993,7 +3006,7 @@
             <a:fld id="{B61BEF0D-F0BB-DE4B-95CE-6DB70DBA9567}" type="datetimeFigureOut">
               <a:rPr lang="en-US" smtClean="0"/>
               <a:pPr/>
-              <a:t>4/28/2024</a:t>
+              <a:t>5/10/2024</a:t>
             </a:fld>
             <a:endParaRPr lang="en-US" dirty="0"/>
           </a:p>
@@ -3097,7 +3110,7 @@
           </a:lstStyle>
           <a:p>
             <a:r>
-              <a:rPr lang="en-US" smtClean="0"/>
+              <a:rPr lang="en-US"/>
               <a:t>Click to edit Master title style</a:t>
             </a:r>
             <a:endParaRPr lang="en-US" dirty="0"/>
@@ -3218,7 +3231,7 @@
           <a:p>
             <a:pPr lvl="0"/>
             <a:r>
-              <a:rPr lang="en-US" smtClean="0"/>
+              <a:rPr lang="en-US"/>
               <a:t>Click to edit Master text styles</a:t>
             </a:r>
           </a:p>
@@ -3242,7 +3255,7 @@
             <a:fld id="{B61BEF0D-F0BB-DE4B-95CE-6DB70DBA9567}" type="datetimeFigureOut">
               <a:rPr lang="en-US" smtClean="0"/>
               <a:pPr/>
-              <a:t>4/28/2024</a:t>
+              <a:t>5/10/2024</a:t>
             </a:fld>
             <a:endParaRPr lang="en-US" dirty="0"/>
           </a:p>
@@ -3337,7 +3350,7 @@
           <a:lstStyle/>
           <a:p>
             <a:r>
-              <a:rPr lang="en-US" smtClean="0"/>
+              <a:rPr lang="en-US"/>
               <a:t>Click to edit Master title style</a:t>
             </a:r>
             <a:endParaRPr lang="en-US" dirty="0"/>
@@ -3366,35 +3379,35 @@
           <a:p>
             <a:pPr lvl="0"/>
             <a:r>
-              <a:rPr lang="en-US" smtClean="0"/>
+              <a:rPr lang="en-US"/>
               <a:t>Click to edit Master text styles</a:t>
             </a:r>
           </a:p>
           <a:p>
             <a:pPr lvl="1"/>
             <a:r>
-              <a:rPr lang="en-US" smtClean="0"/>
+              <a:rPr lang="en-US"/>
               <a:t>Second level</a:t>
             </a:r>
           </a:p>
           <a:p>
             <a:pPr lvl="2"/>
             <a:r>
-              <a:rPr lang="en-US" smtClean="0"/>
+              <a:rPr lang="en-US"/>
               <a:t>Third level</a:t>
             </a:r>
           </a:p>
           <a:p>
             <a:pPr lvl="3"/>
             <a:r>
-              <a:rPr lang="en-US" smtClean="0"/>
+              <a:rPr lang="en-US"/>
               <a:t>Fourth level</a:t>
             </a:r>
           </a:p>
           <a:p>
             <a:pPr lvl="4"/>
             <a:r>
-              <a:rPr lang="en-US" smtClean="0"/>
+              <a:rPr lang="en-US"/>
               <a:t>Fifth level</a:t>
             </a:r>
             <a:endParaRPr lang="en-US" dirty="0"/>
@@ -3423,35 +3436,35 @@
           <a:p>
             <a:pPr lvl="0"/>
             <a:r>
-              <a:rPr lang="en-US" smtClean="0"/>
+              <a:rPr lang="en-US"/>
               <a:t>Click to edit Master text styles</a:t>
             </a:r>
           </a:p>
           <a:p>
             <a:pPr lvl="1"/>
             <a:r>
-              <a:rPr lang="en-US" smtClean="0"/>
+              <a:rPr lang="en-US"/>
               <a:t>Second level</a:t>
             </a:r>
           </a:p>
           <a:p>
             <a:pPr lvl="2"/>
             <a:r>
-              <a:rPr lang="en-US" smtClean="0"/>
+              <a:rPr lang="en-US"/>
               <a:t>Third level</a:t>
             </a:r>
           </a:p>
           <a:p>
             <a:pPr lvl="3"/>
             <a:r>
-              <a:rPr lang="en-US" smtClean="0"/>
+              <a:rPr lang="en-US"/>
               <a:t>Fourth level</a:t>
             </a:r>
           </a:p>
           <a:p>
             <a:pPr lvl="4"/>
             <a:r>
-              <a:rPr lang="en-US" smtClean="0"/>
+              <a:rPr lang="en-US"/>
               <a:t>Fifth level</a:t>
             </a:r>
             <a:endParaRPr lang="en-US" dirty="0"/>
@@ -3475,7 +3488,7 @@
           <a:p>
             <a:fld id="{EB712588-04B1-427B-82EE-E8DB90309F08}" type="datetimeFigureOut">
               <a:rPr lang="en-US" smtClean="0"/>
-              <a:t>4/28/2024</a:t>
+              <a:t>5/10/2024</a:t>
             </a:fld>
             <a:endParaRPr lang="en-US" dirty="0"/>
           </a:p>
@@ -3573,7 +3586,7 @@
           </a:lstStyle>
           <a:p>
             <a:r>
-              <a:rPr lang="en-US" smtClean="0"/>
+              <a:rPr lang="en-US"/>
               <a:t>Click to edit Master title style</a:t>
             </a:r>
             <a:endParaRPr lang="en-US" dirty="0"/>
@@ -3641,7 +3654,7 @@
           <a:p>
             <a:pPr lvl="0"/>
             <a:r>
-              <a:rPr lang="en-US" smtClean="0"/>
+              <a:rPr lang="en-US"/>
               <a:t>Click to edit Master text styles</a:t>
             </a:r>
           </a:p>
@@ -3671,35 +3684,35 @@
           <a:p>
             <a:pPr lvl="0"/>
             <a:r>
-              <a:rPr lang="en-US" smtClean="0"/>
+              <a:rPr lang="en-US"/>
               <a:t>Click to edit Master text styles</a:t>
             </a:r>
           </a:p>
           <a:p>
             <a:pPr lvl="1"/>
             <a:r>
-              <a:rPr lang="en-US" smtClean="0"/>
+              <a:rPr lang="en-US"/>
               <a:t>Second level</a:t>
             </a:r>
           </a:p>
           <a:p>
             <a:pPr lvl="2"/>
             <a:r>
-              <a:rPr lang="en-US" smtClean="0"/>
+              <a:rPr lang="en-US"/>
               <a:t>Third level</a:t>
             </a:r>
           </a:p>
           <a:p>
             <a:pPr lvl="3"/>
             <a:r>
-              <a:rPr lang="en-US" smtClean="0"/>
+              <a:rPr lang="en-US"/>
               <a:t>Fourth level</a:t>
             </a:r>
           </a:p>
           <a:p>
             <a:pPr lvl="4"/>
             <a:r>
-              <a:rPr lang="en-US" smtClean="0"/>
+              <a:rPr lang="en-US"/>
               <a:t>Fifth level</a:t>
             </a:r>
             <a:endParaRPr lang="en-US" dirty="0"/>
@@ -3767,7 +3780,7 @@
           <a:p>
             <a:pPr lvl="0"/>
             <a:r>
-              <a:rPr lang="en-US" smtClean="0"/>
+              <a:rPr lang="en-US"/>
               <a:t>Click to edit Master text styles</a:t>
             </a:r>
           </a:p>
@@ -3797,35 +3810,35 @@
           <a:p>
             <a:pPr lvl="0"/>
             <a:r>
-              <a:rPr lang="en-US" smtClean="0"/>
+              <a:rPr lang="en-US"/>
               <a:t>Click to edit Master text styles</a:t>
             </a:r>
           </a:p>
           <a:p>
             <a:pPr lvl="1"/>
             <a:r>
-              <a:rPr lang="en-US" smtClean="0"/>
+              <a:rPr lang="en-US"/>
               <a:t>Second level</a:t>
             </a:r>
           </a:p>
           <a:p>
             <a:pPr lvl="2"/>
             <a:r>
-              <a:rPr lang="en-US" smtClean="0"/>
+              <a:rPr lang="en-US"/>
               <a:t>Third level</a:t>
             </a:r>
           </a:p>
           <a:p>
             <a:pPr lvl="3"/>
             <a:r>
-              <a:rPr lang="en-US" smtClean="0"/>
+              <a:rPr lang="en-US"/>
               <a:t>Fourth level</a:t>
             </a:r>
           </a:p>
           <a:p>
             <a:pPr lvl="4"/>
             <a:r>
-              <a:rPr lang="en-US" smtClean="0"/>
+              <a:rPr lang="en-US"/>
               <a:t>Fifth level</a:t>
             </a:r>
             <a:endParaRPr lang="en-US" dirty="0"/>
@@ -3850,7 +3863,7 @@
             <a:fld id="{B61BEF0D-F0BB-DE4B-95CE-6DB70DBA9567}" type="datetimeFigureOut">
               <a:rPr lang="en-US" smtClean="0"/>
               <a:pPr/>
-              <a:t>4/28/2024</a:t>
+              <a:t>5/10/2024</a:t>
             </a:fld>
             <a:endParaRPr lang="en-US" dirty="0"/>
           </a:p>
@@ -3950,7 +3963,7 @@
           <a:lstStyle/>
           <a:p>
             <a:r>
-              <a:rPr lang="en-US" smtClean="0"/>
+              <a:rPr lang="en-US"/>
               <a:t>Click to edit Master title style</a:t>
             </a:r>
             <a:endParaRPr lang="en-US" dirty="0"/>
@@ -3975,7 +3988,7 @@
             <a:fld id="{B61BEF0D-F0BB-DE4B-95CE-6DB70DBA9567}" type="datetimeFigureOut">
               <a:rPr lang="en-US" smtClean="0"/>
               <a:pPr/>
-              <a:t>4/28/2024</a:t>
+              <a:t>5/10/2024</a:t>
             </a:fld>
             <a:endParaRPr lang="en-US" dirty="0"/>
           </a:p>
@@ -4072,7 +4085,7 @@
             <a:fld id="{B61BEF0D-F0BB-DE4B-95CE-6DB70DBA9567}" type="datetimeFigureOut">
               <a:rPr lang="en-US" smtClean="0"/>
               <a:pPr/>
-              <a:t>4/28/2024</a:t>
+              <a:t>5/10/2024</a:t>
             </a:fld>
             <a:endParaRPr lang="en-US" dirty="0"/>
           </a:p>
@@ -4178,7 +4191,7 @@
           </a:lstStyle>
           <a:p>
             <a:r>
-              <a:rPr lang="en-US" smtClean="0"/>
+              <a:rPr lang="en-US"/>
               <a:t>Click to edit Master title style</a:t>
             </a:r>
             <a:endParaRPr lang="en-US" dirty="0"/>
@@ -4209,35 +4222,35 @@
           <a:p>
             <a:pPr lvl="0"/>
             <a:r>
-              <a:rPr lang="en-US" smtClean="0"/>
+              <a:rPr lang="en-US"/>
               <a:t>Click to edit Master text styles</a:t>
             </a:r>
           </a:p>
           <a:p>
             <a:pPr lvl="1"/>
             <a:r>
-              <a:rPr lang="en-US" smtClean="0"/>
+              <a:rPr lang="en-US"/>
               <a:t>Second level</a:t>
             </a:r>
           </a:p>
           <a:p>
             <a:pPr lvl="2"/>
             <a:r>
-              <a:rPr lang="en-US" smtClean="0"/>
+              <a:rPr lang="en-US"/>
               <a:t>Third level</a:t>
             </a:r>
           </a:p>
           <a:p>
             <a:pPr lvl="3"/>
             <a:r>
-              <a:rPr lang="en-US" smtClean="0"/>
+              <a:rPr lang="en-US"/>
               <a:t>Fourth level</a:t>
             </a:r>
           </a:p>
           <a:p>
             <a:pPr lvl="4"/>
             <a:r>
-              <a:rPr lang="en-US" smtClean="0"/>
+              <a:rPr lang="en-US"/>
               <a:t>Fifth level</a:t>
             </a:r>
             <a:endParaRPr lang="en-US" dirty="0"/>
@@ -4305,7 +4318,7 @@
           <a:p>
             <a:pPr lvl="0"/>
             <a:r>
-              <a:rPr lang="en-US" smtClean="0"/>
+              <a:rPr lang="en-US"/>
               <a:t>Click to edit Master text styles</a:t>
             </a:r>
           </a:p>
@@ -4328,7 +4341,7 @@
           <a:p>
             <a:fld id="{42A54C80-263E-416B-A8E0-580EDEADCBDC}" type="datetimeFigureOut">
               <a:rPr lang="en-US" smtClean="0"/>
-              <a:t>4/28/2024</a:t>
+              <a:t>5/10/2024</a:t>
             </a:fld>
             <a:endParaRPr lang="en-US" dirty="0"/>
           </a:p>
@@ -4433,7 +4446,7 @@
           </a:lstStyle>
           <a:p>
             <a:r>
-              <a:rPr lang="en-US" smtClean="0"/>
+              <a:rPr lang="en-US"/>
               <a:t>Click to edit Master title style</a:t>
             </a:r>
             <a:endParaRPr lang="en-US" dirty="0"/>
@@ -4500,7 +4513,7 @@
           </a:lstStyle>
           <a:p>
             <a:r>
-              <a:rPr lang="en-US" smtClean="0"/>
+              <a:rPr lang="en-US"/>
               <a:t>Click icon to add picture</a:t>
             </a:r>
             <a:endParaRPr lang="en-US" dirty="0"/>
@@ -4568,7 +4581,7 @@
           <a:p>
             <a:pPr lvl="0"/>
             <a:r>
-              <a:rPr lang="en-US" smtClean="0"/>
+              <a:rPr lang="en-US"/>
               <a:t>Click to edit Master text styles</a:t>
             </a:r>
           </a:p>
@@ -4592,7 +4605,7 @@
             <a:fld id="{B61BEF0D-F0BB-DE4B-95CE-6DB70DBA9567}" type="datetimeFigureOut">
               <a:rPr lang="en-US" smtClean="0"/>
               <a:pPr/>
-              <a:t>4/28/2024</a:t>
+              <a:t>5/10/2024</a:t>
             </a:fld>
             <a:endParaRPr lang="en-US" dirty="0"/>
           </a:p>
@@ -5232,7 +5245,7 @@
           <a:lstStyle/>
           <a:p>
             <a:r>
-              <a:rPr lang="en-US" smtClean="0"/>
+              <a:rPr lang="en-US"/>
               <a:t>Click to edit Master title style</a:t>
             </a:r>
             <a:endParaRPr lang="en-US" dirty="0"/>
@@ -5266,35 +5279,35 @@
           <a:p>
             <a:pPr lvl="0"/>
             <a:r>
-              <a:rPr lang="en-US" smtClean="0"/>
+              <a:rPr lang="en-US"/>
               <a:t>Click to edit Master text styles</a:t>
             </a:r>
           </a:p>
           <a:p>
             <a:pPr lvl="1"/>
             <a:r>
-              <a:rPr lang="en-US" smtClean="0"/>
+              <a:rPr lang="en-US"/>
               <a:t>Second level</a:t>
             </a:r>
           </a:p>
           <a:p>
             <a:pPr lvl="2"/>
             <a:r>
-              <a:rPr lang="en-US" smtClean="0"/>
+              <a:rPr lang="en-US"/>
               <a:t>Third level</a:t>
             </a:r>
           </a:p>
           <a:p>
             <a:pPr lvl="3"/>
             <a:r>
-              <a:rPr lang="en-US" smtClean="0"/>
+              <a:rPr lang="en-US"/>
               <a:t>Fourth level</a:t>
             </a:r>
           </a:p>
           <a:p>
             <a:pPr lvl="4"/>
             <a:r>
-              <a:rPr lang="en-US" smtClean="0"/>
+              <a:rPr lang="en-US"/>
               <a:t>Fifth level</a:t>
             </a:r>
             <a:endParaRPr lang="en-US" dirty="0"/>
@@ -5337,7 +5350,7 @@
             <a:fld id="{B61BEF0D-F0BB-DE4B-95CE-6DB70DBA9567}" type="datetimeFigureOut">
               <a:rPr lang="en-US" smtClean="0"/>
               <a:pPr/>
-              <a:t>4/28/2024</a:t>
+              <a:t>5/10/2024</a:t>
             </a:fld>
             <a:endParaRPr lang="en-US" dirty="0"/>
           </a:p>
@@ -5890,25 +5903,8 @@
                 <a:latin typeface="Arial" panose="020B0604020202020204" pitchFamily="34" charset="0"/>
                 <a:cs typeface="Arial" panose="020B0604020202020204" pitchFamily="34" charset="0"/>
               </a:rPr>
-              <a:t>Bank </a:t>
-            </a:r>
-            <a:r>
-              <a:rPr lang="en-GB" sz="4400" b="1" dirty="0" smtClean="0">
-                <a:solidFill>
-                  <a:schemeClr val="tx1"/>
-                </a:solidFill>
-                <a:latin typeface="Arial" panose="020B0604020202020204" pitchFamily="34" charset="0"/>
-                <a:cs typeface="Arial" panose="020B0604020202020204" pitchFamily="34" charset="0"/>
-              </a:rPr>
-              <a:t>Customer Churn Prediction</a:t>
-            </a:r>
-            <a:endParaRPr lang="en-GB" sz="4400" b="1" dirty="0">
-              <a:solidFill>
-                <a:schemeClr val="tx1"/>
-              </a:solidFill>
-              <a:latin typeface="Arial" panose="020B0604020202020204" pitchFamily="34" charset="0"/>
-              <a:cs typeface="Arial" panose="020B0604020202020204" pitchFamily="34" charset="0"/>
-            </a:endParaRPr>
+              <a:t>Bank Customer Churn Prediction</a:t>
+            </a:r>
           </a:p>
         </p:txBody>
       </p:sp>
@@ -5935,18 +5931,13 @@
           <a:lstStyle/>
           <a:p>
             <a:r>
-              <a:rPr lang="en-GB" sz="3200" dirty="0" smtClean="0">
+              <a:rPr lang="en-GB" sz="3200" dirty="0">
                 <a:solidFill>
                   <a:srgbClr val="FF0000"/>
                 </a:solidFill>
               </a:rPr>
               <a:t>For Retaining Existing Customers</a:t>
             </a:r>
-            <a:endParaRPr lang="en-GB" sz="3200" dirty="0">
-              <a:solidFill>
-                <a:srgbClr val="FF0000"/>
-              </a:solidFill>
-            </a:endParaRPr>
           </a:p>
         </p:txBody>
       </p:sp>
@@ -6175,13 +6166,6 @@
   <p:clrMapOvr>
     <a:masterClrMapping/>
   </p:clrMapOvr>
-  <p:timing>
-    <p:tnLst>
-      <p:par>
-        <p:cTn id="1" dur="indefinite" restart="never" nodeType="tmRoot"/>
-      </p:par>
-    </p:tnLst>
-  </p:timing>
 </p:sld>
 </file>
 
@@ -6225,18 +6209,13 @@
           <a:lstStyle/>
           <a:p>
             <a:r>
-              <a:rPr lang="en-GB" sz="8000" b="1" dirty="0" smtClean="0">
+              <a:rPr lang="en-GB" sz="8000" b="1" dirty="0">
                 <a:solidFill>
                   <a:schemeClr val="tx1"/>
                 </a:solidFill>
               </a:rPr>
               <a:t>Thank You…!</a:t>
             </a:r>
-            <a:endParaRPr lang="en-GB" sz="8000" b="1" dirty="0">
-              <a:solidFill>
-                <a:schemeClr val="tx1"/>
-              </a:solidFill>
-            </a:endParaRPr>
           </a:p>
         </p:txBody>
       </p:sp>
@@ -6274,13 +6253,6 @@
   <p:clrMapOvr>
     <a:masterClrMapping/>
   </p:clrMapOvr>
-  <p:timing>
-    <p:tnLst>
-      <p:par>
-        <p:cTn id="1" dur="indefinite" restart="never" nodeType="tmRoot"/>
-      </p:par>
-    </p:tnLst>
-  </p:timing>
 </p:sld>
 </file>
 
@@ -6322,7 +6294,7 @@
           <a:lstStyle/>
           <a:p>
             <a:r>
-              <a:rPr lang="en-GB" b="1" dirty="0" smtClean="0">
+              <a:rPr lang="en-GB" b="1" dirty="0">
                 <a:solidFill>
                   <a:schemeClr val="tx1"/>
                 </a:solidFill>
@@ -6331,13 +6303,6 @@
               </a:rPr>
               <a:t>Use Case</a:t>
             </a:r>
-            <a:endParaRPr lang="en-GB" b="1" dirty="0">
-              <a:solidFill>
-                <a:schemeClr val="tx1"/>
-              </a:solidFill>
-              <a:latin typeface="Arial" panose="020B0604020202020204" pitchFamily="34" charset="0"/>
-              <a:cs typeface="Arial" panose="020B0604020202020204" pitchFamily="34" charset="0"/>
-            </a:endParaRPr>
           </a:p>
         </p:txBody>
       </p:sp>
@@ -6365,75 +6330,29 @@
           <a:p>
             <a:pPr algn="just"/>
             <a:r>
-              <a:rPr lang="en-GB" sz="2800" dirty="0" smtClean="0">
-                <a:latin typeface="Arial" panose="020B0604020202020204" pitchFamily="34" charset="0"/>
-                <a:cs typeface="Arial" panose="020B0604020202020204" pitchFamily="34" charset="0"/>
-              </a:rPr>
-              <a:t>Business can </a:t>
-            </a:r>
-            <a:r>
               <a:rPr lang="en-GB" sz="2800" dirty="0">
                 <a:latin typeface="Arial" panose="020B0604020202020204" pitchFamily="34" charset="0"/>
                 <a:cs typeface="Arial" panose="020B0604020202020204" pitchFamily="34" charset="0"/>
               </a:rPr>
-              <a:t>identify at-risk customers early and take proactive measures to retain </a:t>
-            </a:r>
-            <a:r>
-              <a:rPr lang="en-GB" sz="2800" dirty="0" smtClean="0">
-                <a:latin typeface="Arial" panose="020B0604020202020204" pitchFamily="34" charset="0"/>
-                <a:cs typeface="Arial" panose="020B0604020202020204" pitchFamily="34" charset="0"/>
-              </a:rPr>
-              <a:t>them.</a:t>
+              <a:t>Business can identify at-risk customers early and take proactive measures to retain them.</a:t>
             </a:r>
           </a:p>
           <a:p>
             <a:pPr algn="just"/>
-            <a:endParaRPr lang="en-GB" sz="2800" dirty="0" smtClean="0">
+            <a:endParaRPr lang="en-GB" sz="2800" dirty="0">
               <a:latin typeface="Arial" panose="020B0604020202020204" pitchFamily="34" charset="0"/>
               <a:cs typeface="Arial" panose="020B0604020202020204" pitchFamily="34" charset="0"/>
             </a:endParaRPr>
           </a:p>
           <a:p>
             <a:pPr algn="just"/>
-            <a:r>
-              <a:rPr lang="en-GB" sz="2800" dirty="0" smtClean="0">
-                <a:latin typeface="Arial" panose="020B0604020202020204" pitchFamily="34" charset="0"/>
-                <a:cs typeface="Arial" panose="020B0604020202020204" pitchFamily="34" charset="0"/>
-              </a:rPr>
-              <a:t>Business prioritize </a:t>
-            </a:r>
             <a:r>
               <a:rPr lang="en-GB" sz="2800" dirty="0">
                 <a:latin typeface="Arial" panose="020B0604020202020204" pitchFamily="34" charset="0"/>
                 <a:cs typeface="Arial" panose="020B0604020202020204" pitchFamily="34" charset="0"/>
               </a:rPr>
-              <a:t>customer retention efforts and invest in strategies such as personalized marketing, loyalty </a:t>
-            </a:r>
-            <a:r>
-              <a:rPr lang="en-GB" sz="2800" dirty="0" smtClean="0">
-                <a:latin typeface="Arial" panose="020B0604020202020204" pitchFamily="34" charset="0"/>
-                <a:cs typeface="Arial" panose="020B0604020202020204" pitchFamily="34" charset="0"/>
-              </a:rPr>
-              <a:t>programs</a:t>
-            </a:r>
-            <a:r>
-              <a:rPr lang="en-GB" sz="2800" dirty="0">
-                <a:latin typeface="Arial" panose="020B0604020202020204" pitchFamily="34" charset="0"/>
-                <a:cs typeface="Arial" panose="020B0604020202020204" pitchFamily="34" charset="0"/>
-              </a:rPr>
-              <a:t> </a:t>
-            </a:r>
-            <a:r>
-              <a:rPr lang="en-GB" sz="2800" dirty="0" smtClean="0">
-                <a:latin typeface="Arial" panose="020B0604020202020204" pitchFamily="34" charset="0"/>
-                <a:cs typeface="Arial" panose="020B0604020202020204" pitchFamily="34" charset="0"/>
-              </a:rPr>
-              <a:t>etc.</a:t>
-            </a:r>
-            <a:endParaRPr lang="en-GB" sz="2800" dirty="0">
-              <a:latin typeface="Arial" panose="020B0604020202020204" pitchFamily="34" charset="0"/>
-              <a:cs typeface="Arial" panose="020B0604020202020204" pitchFamily="34" charset="0"/>
-            </a:endParaRPr>
+              <a:t>Business prioritize customer retention efforts and invest in strategies such as personalized marketing, loyalty programs etc.</a:t>
+            </a:r>
           </a:p>
         </p:txBody>
       </p:sp>
@@ -6471,13 +6390,6 @@
   <p:clrMapOvr>
     <a:masterClrMapping/>
   </p:clrMapOvr>
-  <p:timing>
-    <p:tnLst>
-      <p:par>
-        <p:cTn id="1" dur="indefinite" restart="never" nodeType="tmRoot"/>
-      </p:par>
-    </p:tnLst>
-  </p:timing>
 </p:sld>
 </file>
 
@@ -6524,27 +6436,14 @@
                   <a:schemeClr val="tx1"/>
                 </a:solidFill>
               </a:rPr>
-              <a:t>Data </a:t>
-            </a:r>
-            <a:r>
-              <a:rPr lang="en-GB" b="1" dirty="0" smtClean="0">
-                <a:solidFill>
-                  <a:schemeClr val="tx1"/>
-                </a:solidFill>
-              </a:rPr>
-              <a:t>Model – Star Schema</a:t>
-            </a:r>
-            <a:endParaRPr lang="en-GB" b="1" dirty="0">
-              <a:solidFill>
-                <a:schemeClr val="tx1"/>
-              </a:solidFill>
-            </a:endParaRPr>
+              <a:t>Data Model – Snowflake Schema</a:t>
+            </a:r>
           </a:p>
         </p:txBody>
       </p:sp>
       <p:pic>
         <p:nvPicPr>
-          <p:cNvPr id="10" name="Picture 9"/>
+          <p:cNvPr id="11" name="Picture 10"/>
           <p:cNvPicPr>
             <a:picLocks noChangeAspect="1"/>
           </p:cNvPicPr>
@@ -6558,8 +6457,8 @@
         </p:blipFill>
         <p:spPr>
           <a:xfrm>
-            <a:off x="1" y="1700370"/>
-            <a:ext cx="9869714" cy="5157630"/>
+            <a:off x="10324839" y="5019417"/>
+            <a:ext cx="1867161" cy="1838582"/>
           </a:xfrm>
           <a:prstGeom prst="rect">
             <a:avLst/>
@@ -6568,7 +6467,13 @@
       </p:pic>
       <p:pic>
         <p:nvPicPr>
-          <p:cNvPr id="11" name="Picture 10"/>
+          <p:cNvPr id="3" name="Picture 2" descr="A diagram of a customer relationship&#10;&#10;Description automatically generated">
+            <a:extLst>
+              <a:ext uri="{FF2B5EF4-FFF2-40B4-BE49-F238E27FC236}">
+                <a16:creationId xmlns:a16="http://schemas.microsoft.com/office/drawing/2014/main" id="{AFF893A2-0D65-D2CA-F8C8-CD45B05502E8}"/>
+              </a:ext>
+            </a:extLst>
+          </p:cNvPr>
           <p:cNvPicPr>
             <a:picLocks noChangeAspect="1"/>
           </p:cNvPicPr>
@@ -6582,8 +6487,8 @@
         </p:blipFill>
         <p:spPr>
           <a:xfrm>
-            <a:off x="10324839" y="5019417"/>
-            <a:ext cx="1867161" cy="1838582"/>
+            <a:off x="524441" y="1734116"/>
+            <a:ext cx="9799932" cy="5146244"/>
           </a:xfrm>
           <a:prstGeom prst="rect">
             <a:avLst/>
@@ -6600,13 +6505,6 @@
   <p:clrMapOvr>
     <a:masterClrMapping/>
   </p:clrMapOvr>
-  <p:timing>
-    <p:tnLst>
-      <p:par>
-        <p:cTn id="1" dur="indefinite" restart="never" nodeType="tmRoot"/>
-      </p:par>
-    </p:tnLst>
-  </p:timing>
 </p:sld>
 </file>
 
@@ -6648,7 +6546,7 @@
           <a:lstStyle/>
           <a:p>
             <a:r>
-              <a:rPr lang="en-GB" b="1" dirty="0" smtClean="0">
+              <a:rPr lang="en-GB" b="1" dirty="0">
                 <a:solidFill>
                   <a:schemeClr val="tx1"/>
                 </a:solidFill>
@@ -6657,13 +6555,6 @@
               </a:rPr>
               <a:t>End-to-End Flow of Project </a:t>
             </a:r>
-            <a:endParaRPr lang="en-GB" b="1" dirty="0">
-              <a:solidFill>
-                <a:schemeClr val="tx1"/>
-              </a:solidFill>
-              <a:latin typeface="Arial" panose="020B0604020202020204" pitchFamily="34" charset="0"/>
-              <a:cs typeface="Arial" panose="020B0604020202020204" pitchFamily="34" charset="0"/>
-            </a:endParaRPr>
           </a:p>
         </p:txBody>
       </p:sp>
@@ -6750,34 +6641,13 @@
           <a:p>
             <a:pPr algn="ctr"/>
             <a:r>
-              <a:rPr lang="en-GB" sz="2000" b="1" dirty="0" smtClean="0">
+              <a:rPr lang="en-GB" sz="2000" b="1" dirty="0">
                 <a:solidFill>
                   <a:schemeClr val="tx1"/>
                 </a:solidFill>
               </a:rPr>
-              <a:t>Full Load &amp; Incremental Load -</a:t>
-            </a:r>
-            <a:r>
-              <a:rPr lang="en-GB" sz="2000" b="1" dirty="0">
-                <a:solidFill>
-                  <a:schemeClr val="tx1"/>
-                </a:solidFill>
-              </a:rPr>
-              <a:t> </a:t>
-            </a:r>
-            <a:r>
-              <a:rPr lang="en-GB" sz="2000" b="1" dirty="0" smtClean="0">
-                <a:solidFill>
-                  <a:schemeClr val="tx1"/>
-                </a:solidFill>
-              </a:rPr>
-              <a:t>Inserts</a:t>
-            </a:r>
-            <a:endParaRPr lang="en-GB" sz="2000" b="1" dirty="0">
-              <a:solidFill>
-                <a:schemeClr val="tx1"/>
-              </a:solidFill>
-            </a:endParaRPr>
+              <a:t>Full Load &amp; Incremental Load - Inserts</a:t>
+            </a:r>
           </a:p>
         </p:txBody>
       </p:sp>
@@ -6791,13 +6661,6 @@
   <p:clrMapOvr>
     <a:masterClrMapping/>
   </p:clrMapOvr>
-  <p:timing>
-    <p:tnLst>
-      <p:par>
-        <p:cTn id="1" dur="indefinite" restart="never" nodeType="tmRoot"/>
-      </p:par>
-    </p:tnLst>
-  </p:timing>
 </p:sld>
 </file>
 
@@ -6901,21 +6764,8 @@
                   <a:schemeClr val="tx1"/>
                 </a:solidFill>
               </a:rPr>
-              <a:t>Incremental Load </a:t>
-            </a:r>
-            <a:r>
-              <a:rPr lang="en-GB" sz="2000" b="1" dirty="0" smtClean="0">
-                <a:solidFill>
-                  <a:schemeClr val="tx1"/>
-                </a:solidFill>
-              </a:rPr>
-              <a:t>Updates &amp; Deletes</a:t>
-            </a:r>
-            <a:endParaRPr lang="en-GB" sz="2000" b="1" dirty="0">
-              <a:solidFill>
-                <a:schemeClr val="tx1"/>
-              </a:solidFill>
-            </a:endParaRPr>
+              <a:t>Incremental Load Updates &amp; Deletes</a:t>
+            </a:r>
           </a:p>
         </p:txBody>
       </p:sp>
@@ -6953,13 +6803,6 @@
   <p:clrMapOvr>
     <a:masterClrMapping/>
   </p:clrMapOvr>
-  <p:timing>
-    <p:tnLst>
-      <p:par>
-        <p:cTn id="1" dur="indefinite" restart="never" nodeType="tmRoot"/>
-      </p:par>
-    </p:tnLst>
-  </p:timing>
 </p:sld>
 </file>
 
@@ -7083,13 +6926,6 @@
   <p:clrMapOvr>
     <a:masterClrMapping/>
   </p:clrMapOvr>
-  <p:timing>
-    <p:tnLst>
-      <p:par>
-        <p:cTn id="1" dur="indefinite" restart="never" nodeType="tmRoot"/>
-      </p:par>
-    </p:tnLst>
-  </p:timing>
 </p:sld>
 </file>
 
@@ -7133,7 +6969,7 @@
           <a:lstStyle/>
           <a:p>
             <a:r>
-              <a:rPr lang="en-GB" sz="3200" b="1" dirty="0" smtClean="0">
+              <a:rPr lang="en-GB" sz="3200" b="1" dirty="0">
                 <a:solidFill>
                   <a:schemeClr val="tx1"/>
                 </a:solidFill>
@@ -7142,13 +6978,6 @@
               </a:rPr>
               <a:t>Technologies &amp; Applications</a:t>
             </a:r>
-            <a:endParaRPr lang="en-GB" sz="3200" b="1" dirty="0">
-              <a:solidFill>
-                <a:schemeClr val="tx1"/>
-              </a:solidFill>
-              <a:latin typeface="Arial" panose="020B0604020202020204" pitchFamily="34" charset="0"/>
-              <a:cs typeface="Arial" panose="020B0604020202020204" pitchFamily="34" charset="0"/>
-            </a:endParaRPr>
           </a:p>
         </p:txBody>
       </p:sp>
@@ -7249,7 +7078,7 @@
           <a:lstStyle/>
           <a:p>
             <a:r>
-              <a:rPr lang="en-GB" sz="1600" dirty="0" err="1" smtClean="0">
+              <a:rPr lang="en-GB" sz="1600" dirty="0" err="1">
                 <a:latin typeface="Arial" panose="020B0604020202020204" pitchFamily="34" charset="0"/>
                 <a:cs typeface="Arial" panose="020B0604020202020204" pitchFamily="34" charset="0"/>
               </a:rPr>
@@ -7260,14 +7089,7 @@
                 <a:latin typeface="Arial" panose="020B0604020202020204" pitchFamily="34" charset="0"/>
                 <a:cs typeface="Arial" panose="020B0604020202020204" pitchFamily="34" charset="0"/>
               </a:rPr>
-              <a:t> </a:t>
-            </a:r>
-            <a:r>
-              <a:rPr lang="en-GB" sz="1600" dirty="0" smtClean="0">
-                <a:latin typeface="Arial" panose="020B0604020202020204" pitchFamily="34" charset="0"/>
-                <a:cs typeface="Arial" panose="020B0604020202020204" pitchFamily="34" charset="0"/>
-              </a:rPr>
-              <a:t>            Relational Database Management System</a:t>
+              <a:t>             Relational Database Management System</a:t>
             </a:r>
           </a:p>
         </p:txBody>
@@ -7282,13 +7104,6 @@
   <p:clrMapOvr>
     <a:masterClrMapping/>
   </p:clrMapOvr>
-  <p:timing>
-    <p:tnLst>
-      <p:par>
-        <p:cTn id="1" dur="indefinite" restart="never" nodeType="tmRoot"/>
-      </p:par>
-    </p:tnLst>
-  </p:timing>
 </p:sld>
 </file>
 
@@ -7330,7 +7145,7 @@
           <a:lstStyle/>
           <a:p>
             <a:r>
-              <a:rPr lang="en-GB" b="1" dirty="0" smtClean="0">
+              <a:rPr lang="en-GB" b="1" dirty="0">
                 <a:solidFill>
                   <a:schemeClr val="tx1"/>
                 </a:solidFill>
@@ -7339,13 +7154,6 @@
               </a:rPr>
               <a:t>Challenges Faced</a:t>
             </a:r>
-            <a:endParaRPr lang="en-GB" b="1" dirty="0">
-              <a:solidFill>
-                <a:schemeClr val="tx1"/>
-              </a:solidFill>
-              <a:latin typeface="Arial" panose="020B0604020202020204" pitchFamily="34" charset="0"/>
-              <a:cs typeface="Arial" panose="020B0604020202020204" pitchFamily="34" charset="0"/>
-            </a:endParaRPr>
           </a:p>
         </p:txBody>
       </p:sp>
@@ -7370,7 +7178,7 @@
           <a:lstStyle/>
           <a:p>
             <a:r>
-              <a:rPr lang="en-GB" sz="2000" dirty="0" smtClean="0">
+              <a:rPr lang="en-GB" sz="2000" dirty="0">
                 <a:latin typeface="Arial" panose="020B0604020202020204" pitchFamily="34" charset="0"/>
                 <a:cs typeface="Arial" panose="020B0604020202020204" pitchFamily="34" charset="0"/>
               </a:rPr>
@@ -7379,7 +7187,7 @@
           </a:p>
           <a:p>
             <a:r>
-              <a:rPr lang="en-GB" sz="2000" dirty="0" smtClean="0">
+              <a:rPr lang="en-GB" sz="2000" dirty="0">
                 <a:latin typeface="Arial" panose="020B0604020202020204" pitchFamily="34" charset="0"/>
                 <a:cs typeface="Arial" panose="020B0604020202020204" pitchFamily="34" charset="0"/>
               </a:rPr>
@@ -7388,7 +7196,7 @@
           </a:p>
           <a:p>
             <a:r>
-              <a:rPr lang="en-GB" sz="2000" dirty="0" smtClean="0">
+              <a:rPr lang="en-GB" sz="2000" dirty="0">
                 <a:latin typeface="Arial" panose="020B0604020202020204" pitchFamily="34" charset="0"/>
                 <a:cs typeface="Arial" panose="020B0604020202020204" pitchFamily="34" charset="0"/>
               </a:rPr>
@@ -7397,7 +7205,7 @@
           </a:p>
           <a:p>
             <a:r>
-              <a:rPr lang="en-GB" sz="2000" dirty="0" smtClean="0">
+              <a:rPr lang="en-GB" sz="2000" dirty="0">
                 <a:latin typeface="Arial" panose="020B0604020202020204" pitchFamily="34" charset="0"/>
                 <a:cs typeface="Arial" panose="020B0604020202020204" pitchFamily="34" charset="0"/>
               </a:rPr>
@@ -7405,7 +7213,7 @@
             </a:r>
           </a:p>
           <a:p>
-            <a:endParaRPr lang="en-GB" dirty="0" smtClean="0"/>
+            <a:endParaRPr lang="en-GB" dirty="0"/>
           </a:p>
           <a:p>
             <a:endParaRPr lang="en-GB" dirty="0"/>
@@ -7446,13 +7254,6 @@
   <p:clrMapOvr>
     <a:masterClrMapping/>
   </p:clrMapOvr>
-  <p:timing>
-    <p:tnLst>
-      <p:par>
-        <p:cTn id="1" dur="indefinite" restart="never" nodeType="tmRoot"/>
-      </p:par>
-    </p:tnLst>
-  </p:timing>
 </p:sld>
 </file>
 
@@ -7494,7 +7295,7 @@
           <a:lstStyle/>
           <a:p>
             <a:r>
-              <a:rPr lang="en-GB" b="1" dirty="0" smtClean="0">
+              <a:rPr lang="en-GB" b="1" dirty="0">
                 <a:solidFill>
                   <a:schemeClr val="tx1"/>
                 </a:solidFill>
@@ -7504,18 +7305,13 @@
               <a:t>Further Enhancements</a:t>
             </a:r>
             <a:r>
-              <a:rPr lang="en-GB" dirty="0" smtClean="0">
+              <a:rPr lang="en-GB" dirty="0">
                 <a:solidFill>
                   <a:schemeClr val="tx1"/>
                 </a:solidFill>
               </a:rPr>
               <a:t>	</a:t>
             </a:r>
-            <a:endParaRPr lang="en-GB" dirty="0">
-              <a:solidFill>
-                <a:schemeClr val="tx1"/>
-              </a:solidFill>
-            </a:endParaRPr>
           </a:p>
         </p:txBody>
       </p:sp>
@@ -7542,16 +7338,12 @@
           <a:lstStyle/>
           <a:p>
             <a:r>
-              <a:rPr lang="en-GB" sz="2000" dirty="0" smtClean="0">
+              <a:rPr lang="en-GB" sz="2000" dirty="0">
                 <a:latin typeface="Arial" panose="020B0604020202020204" pitchFamily="34" charset="0"/>
                 <a:cs typeface="Arial" panose="020B0604020202020204" pitchFamily="34" charset="0"/>
               </a:rPr>
               <a:t>Curated data can be stored in HBase, as it provides low latency</a:t>
             </a:r>
-            <a:endParaRPr lang="en-GB" sz="2000" dirty="0">
-              <a:latin typeface="Arial" panose="020B0604020202020204" pitchFamily="34" charset="0"/>
-              <a:cs typeface="Arial" panose="020B0604020202020204" pitchFamily="34" charset="0"/>
-            </a:endParaRPr>
           </a:p>
           <a:p>
             <a:r>
@@ -7559,14 +7351,7 @@
                 <a:latin typeface="Arial" panose="020B0604020202020204" pitchFamily="34" charset="0"/>
                 <a:cs typeface="Arial" panose="020B0604020202020204" pitchFamily="34" charset="0"/>
               </a:rPr>
-              <a:t>Delta Lake enables efficient updates and deletes, facilitating incremental updates to data without rewriting the entire dataset. This saves processing time and resources, especially for large datasets</a:t>
-            </a:r>
-            <a:r>
-              <a:rPr lang="en-GB" sz="2000" dirty="0" smtClean="0">
-                <a:latin typeface="Arial" panose="020B0604020202020204" pitchFamily="34" charset="0"/>
-                <a:cs typeface="Arial" panose="020B0604020202020204" pitchFamily="34" charset="0"/>
-              </a:rPr>
-              <a:t>.</a:t>
+              <a:t>Delta Lake enables efficient updates and deletes, facilitating incremental updates to data without rewriting the entire dataset. This saves processing time and resources, especially for large datasets.</a:t>
             </a:r>
           </a:p>
           <a:p>
@@ -7577,10 +7362,6 @@
               </a:rPr>
               <a:t>Using Docker and Kubernetes streamlines deployment, scaling, and management for improved efficiency and resource utilization.</a:t>
             </a:r>
-            <a:endParaRPr lang="en-GB" sz="2000" dirty="0" smtClean="0">
-              <a:latin typeface="Arial" panose="020B0604020202020204" pitchFamily="34" charset="0"/>
-              <a:cs typeface="Arial" panose="020B0604020202020204" pitchFamily="34" charset="0"/>
-            </a:endParaRPr>
           </a:p>
         </p:txBody>
       </p:sp>
@@ -7618,13 +7399,6 @@
   <p:clrMapOvr>
     <a:masterClrMapping/>
   </p:clrMapOvr>
-  <p:timing>
-    <p:tnLst>
-      <p:par>
-        <p:cTn id="1" dur="indefinite" restart="never" nodeType="tmRoot"/>
-      </p:par>
-    </p:tnLst>
-  </p:timing>
 </p:sld>
 </file>
 
